--- a/template/reference.pptx
+++ b/template/reference.pptx
@@ -1,6 +1,6 @@
 
 <file path=ppt/presentation.xml><?xml version="1.0" encoding="utf-8"?>
-<p:presentation xmlns:a="http://schemas.openxmlformats.org/drawingml/2006/main" xmlns:r="http://schemas.openxmlformats.org/officeDocument/2006/relationships" xmlns:p="http://schemas.openxmlformats.org/presentationml/2006/main" saveSubsetFonts="1" autoCompressPictures="0">
+<p:presentation xmlns:a="http://schemas.openxmlformats.org/drawingml/2006/main" xmlns:r="http://schemas.openxmlformats.org/officeDocument/2006/relationships" xmlns:p="http://schemas.openxmlformats.org/presentationml/2006/main" showSpecialPlsOnTitleSld="0" saveSubsetFonts="1" autoCompressPictures="0">
   <p:sldMasterIdLst>
     <p:sldMasterId id="2147483660" r:id="rId1"/>
   </p:sldMasterIdLst>
@@ -211,7 +211,7 @@
           <a:p>
             <a:fld id="{0F9C1CCF-B725-44A7-AA57-5E433BD85C9F}" type="datetimeFigureOut">
               <a:rPr lang="en-US" smtClean="0"/>
-              <a:t>4/7/2020</a:t>
+              <a:t>4/13/2020</a:t>
             </a:fld>
             <a:endParaRPr lang="en-US"/>
           </a:p>
@@ -1010,11 +1010,11 @@
             </a:lvl1pPr>
           </a:lstStyle>
           <a:p>
-            <a:fld id="{241EB5C9-1307-BA42-ABA2-0BC069CD8E7F}" type="datetimeFigureOut">
-              <a:rPr lang="en-US" smtClean="0"/>
-              <a:t>4/7/2020</a:t>
+            <a:fld id="{942B8D12-0C41-4C7C-9AFC-48AC77E14075}" type="datetime1">
+              <a:rPr lang="zh-CN" altLang="en-US" smtClean="0"/>
+              <a:t>2020/4/13</a:t>
             </a:fld>
-            <a:endParaRPr lang="en-US"/>
+            <a:endParaRPr lang="en-US" dirty="0"/>
           </a:p>
         </p:txBody>
       </p:sp>
@@ -1037,7 +1037,11 @@
             </a:lvl1pPr>
           </a:lstStyle>
           <a:p>
-            <a:endParaRPr lang="en-US"/>
+            <a:r>
+              <a:rPr lang="zh-CN" altLang="en-US" smtClean="0"/>
+              <a:t>作者：朱远翔</a:t>
+            </a:r>
+            <a:endParaRPr lang="en-US" dirty="0"/>
           </a:p>
         </p:txBody>
       </p:sp>
@@ -1065,11 +1069,12 @@
             </a:lvl1pPr>
           </a:lstStyle>
           <a:p>
-            <a:fld id="{C5EF2332-01BF-834F-8236-50238282D533}" type="slidenum">
+            <a:fld id="{1CA22C58-4056-4A3A-9E19-78B9B86A5BE5}" type="slidenum">
               <a:rPr lang="en-US" smtClean="0"/>
+              <a:pPr/>
               <a:t>‹#›</a:t>
             </a:fld>
-            <a:endParaRPr lang="en-US"/>
+            <a:endParaRPr lang="en-US" dirty="0"/>
           </a:p>
         </p:txBody>
       </p:sp>
@@ -1167,13 +1172,17 @@
         <p:spPr/>
         <p:txBody>
           <a:bodyPr/>
-          <a:lstStyle/>
-          <a:p>
-            <a:r>
-              <a:rPr lang="zh-CN" altLang="en-US" smtClean="0"/>
+          <a:lstStyle>
+            <a:lvl1pPr>
+              <a:defRPr sz="3200"/>
+            </a:lvl1pPr>
+          </a:lstStyle>
+          <a:p>
+            <a:r>
+              <a:rPr lang="zh-CN" altLang="en-US" dirty="0" smtClean="0"/>
               <a:t>单击此处编辑母版标题样式</a:t>
             </a:r>
-            <a:endParaRPr lang="zh-CN" altLang="en-US"/>
+            <a:endParaRPr lang="zh-CN" altLang="en-US" dirty="0"/>
           </a:p>
         </p:txBody>
       </p:sp>
@@ -1248,11 +1257,11 @@
             </a:lvl1pPr>
           </a:lstStyle>
           <a:p>
-            <a:fld id="{241EB5C9-1307-BA42-ABA2-0BC069CD8E7F}" type="datetimeFigureOut">
-              <a:rPr lang="en-US" smtClean="0"/>
-              <a:t>4/7/2020</a:t>
+            <a:fld id="{F6C7FC57-69AF-4804-92A5-D56100D938D0}" type="datetime1">
+              <a:rPr lang="zh-CN" altLang="en-US" smtClean="0"/>
+              <a:t>2020/4/13</a:t>
             </a:fld>
-            <a:endParaRPr lang="en-US"/>
+            <a:endParaRPr lang="en-US" dirty="0"/>
           </a:p>
         </p:txBody>
       </p:sp>
@@ -1275,7 +1284,11 @@
             </a:lvl1pPr>
           </a:lstStyle>
           <a:p>
-            <a:endParaRPr lang="en-US"/>
+            <a:r>
+              <a:rPr lang="zh-CN" altLang="en-US" dirty="0" smtClean="0"/>
+              <a:t>作者：朱远翔</a:t>
+            </a:r>
+            <a:endParaRPr lang="en-US" altLang="zh-CN" dirty="0" smtClean="0"/>
           </a:p>
         </p:txBody>
       </p:sp>
@@ -1357,13 +1370,17 @@
         </p:spPr>
         <p:txBody>
           <a:bodyPr vert="eaVert"/>
-          <a:lstStyle/>
-          <a:p>
-            <a:r>
-              <a:rPr lang="zh-CN" altLang="en-US" smtClean="0"/>
+          <a:lstStyle>
+            <a:lvl1pPr>
+              <a:defRPr sz="3200"/>
+            </a:lvl1pPr>
+          </a:lstStyle>
+          <a:p>
+            <a:r>
+              <a:rPr lang="zh-CN" altLang="en-US" dirty="0" smtClean="0"/>
               <a:t>单击此处编辑母版标题样式</a:t>
             </a:r>
-            <a:endParaRPr lang="zh-CN" altLang="en-US"/>
+            <a:endParaRPr lang="zh-CN" altLang="en-US" dirty="0"/>
           </a:p>
         </p:txBody>
       </p:sp>
@@ -1443,11 +1460,11 @@
             </a:lvl1pPr>
           </a:lstStyle>
           <a:p>
-            <a:fld id="{241EB5C9-1307-BA42-ABA2-0BC069CD8E7F}" type="datetimeFigureOut">
-              <a:rPr lang="en-US" smtClean="0"/>
-              <a:t>4/7/2020</a:t>
+            <a:fld id="{30BE11AC-0CDD-41FD-A082-F9781DC6EF76}" type="datetime1">
+              <a:rPr lang="zh-CN" altLang="en-US" smtClean="0"/>
+              <a:t>2020/4/13</a:t>
             </a:fld>
-            <a:endParaRPr lang="en-US"/>
+            <a:endParaRPr lang="en-US" dirty="0"/>
           </a:p>
         </p:txBody>
       </p:sp>
@@ -1470,7 +1487,11 @@
             </a:lvl1pPr>
           </a:lstStyle>
           <a:p>
-            <a:endParaRPr lang="en-US"/>
+            <a:r>
+              <a:rPr lang="zh-CN" altLang="en-US" dirty="0" smtClean="0"/>
+              <a:t>作者：朱远翔</a:t>
+            </a:r>
+            <a:endParaRPr lang="en-US" altLang="zh-CN" dirty="0" smtClean="0"/>
           </a:p>
         </p:txBody>
       </p:sp>
@@ -1547,65 +1568,69 @@
         <p:spPr/>
         <p:txBody>
           <a:bodyPr/>
+          <a:lstStyle>
+            <a:lvl1pPr>
+              <a:defRPr sz="3200"/>
+            </a:lvl1pPr>
+          </a:lstStyle>
+          <a:p>
+            <a:r>
+              <a:rPr lang="zh-CN" altLang="en-US" dirty="0" smtClean="0"/>
+              <a:t>单击此处编辑母版标题样式</a:t>
+            </a:r>
+            <a:endParaRPr lang="zh-CN" altLang="en-US" dirty="0"/>
+          </a:p>
+        </p:txBody>
+      </p:sp>
+      <p:sp>
+        <p:nvSpPr>
+          <p:cNvPr id="3" name="内容占位符 2"/>
+          <p:cNvSpPr>
+            <a:spLocks noGrp="1"/>
+          </p:cNvSpPr>
+          <p:nvPr>
+            <p:ph idx="1"/>
+          </p:nvPr>
+        </p:nvSpPr>
+        <p:spPr/>
+        <p:txBody>
+          <a:bodyPr/>
           <a:lstStyle/>
           <a:p>
-            <a:r>
-              <a:rPr lang="zh-CN" altLang="en-US" smtClean="0"/>
-              <a:t>单击此处编辑母版标题样式</a:t>
-            </a:r>
-            <a:endParaRPr lang="zh-CN" altLang="en-US"/>
-          </a:p>
-        </p:txBody>
-      </p:sp>
-      <p:sp>
-        <p:nvSpPr>
-          <p:cNvPr id="3" name="内容占位符 2"/>
-          <p:cNvSpPr>
-            <a:spLocks noGrp="1"/>
-          </p:cNvSpPr>
-          <p:nvPr>
-            <p:ph idx="1"/>
-          </p:nvPr>
-        </p:nvSpPr>
-        <p:spPr/>
-        <p:txBody>
-          <a:bodyPr/>
-          <a:lstStyle/>
-          <a:p>
             <a:pPr lvl="0"/>
             <a:r>
-              <a:rPr lang="zh-CN" altLang="en-US" smtClean="0"/>
+              <a:rPr lang="zh-CN" altLang="en-US" dirty="0" smtClean="0"/>
               <a:t>单击此处编辑母版文本样式</a:t>
             </a:r>
           </a:p>
           <a:p>
             <a:pPr lvl="1"/>
             <a:r>
-              <a:rPr lang="zh-CN" altLang="en-US" smtClean="0"/>
+              <a:rPr lang="zh-CN" altLang="en-US" dirty="0" smtClean="0"/>
               <a:t>第二级</a:t>
             </a:r>
           </a:p>
           <a:p>
             <a:pPr lvl="2"/>
             <a:r>
-              <a:rPr lang="zh-CN" altLang="en-US" smtClean="0"/>
+              <a:rPr lang="zh-CN" altLang="en-US" dirty="0" smtClean="0"/>
               <a:t>第三级</a:t>
             </a:r>
           </a:p>
           <a:p>
             <a:pPr lvl="3"/>
             <a:r>
-              <a:rPr lang="zh-CN" altLang="en-US" smtClean="0"/>
+              <a:rPr lang="zh-CN" altLang="en-US" dirty="0" smtClean="0"/>
               <a:t>第四级</a:t>
             </a:r>
           </a:p>
           <a:p>
             <a:pPr lvl="4"/>
             <a:r>
-              <a:rPr lang="zh-CN" altLang="en-US" smtClean="0"/>
+              <a:rPr lang="zh-CN" altLang="en-US" dirty="0" smtClean="0"/>
               <a:t>第五级</a:t>
             </a:r>
-            <a:endParaRPr lang="zh-CN" altLang="en-US"/>
+            <a:endParaRPr lang="zh-CN" altLang="en-US" dirty="0"/>
           </a:p>
         </p:txBody>
       </p:sp>
@@ -1628,11 +1653,11 @@
             </a:lvl1pPr>
           </a:lstStyle>
           <a:p>
-            <a:fld id="{241EB5C9-1307-BA42-ABA2-0BC069CD8E7F}" type="datetimeFigureOut">
-              <a:rPr lang="en-US" smtClean="0"/>
-              <a:t>4/7/2020</a:t>
+            <a:fld id="{75B5DE0C-D333-403F-898E-3F136B655854}" type="datetime1">
+              <a:rPr lang="zh-CN" altLang="en-US" smtClean="0"/>
+              <a:t>2020/4/13</a:t>
             </a:fld>
-            <a:endParaRPr lang="en-US"/>
+            <a:endParaRPr lang="en-US" dirty="0"/>
           </a:p>
         </p:txBody>
       </p:sp>
@@ -1655,7 +1680,11 @@
             </a:lvl1pPr>
           </a:lstStyle>
           <a:p>
-            <a:endParaRPr lang="en-US"/>
+            <a:r>
+              <a:rPr lang="zh-CN" altLang="en-US" dirty="0" smtClean="0"/>
+              <a:t>作者：朱远翔</a:t>
+            </a:r>
+            <a:endParaRPr lang="en-US" altLang="zh-CN" dirty="0" smtClean="0"/>
           </a:p>
         </p:txBody>
       </p:sp>
@@ -1678,11 +1707,12 @@
             </a:lvl1pPr>
           </a:lstStyle>
           <a:p>
-            <a:fld id="{C5EF2332-01BF-834F-8236-50238282D533}" type="slidenum">
+            <a:fld id="{9D6ECECF-4B82-4C2B-AE91-83CD4DEE09E6}" type="slidenum">
               <a:rPr lang="en-US" smtClean="0"/>
+              <a:pPr/>
               <a:t>‹#›</a:t>
             </a:fld>
-            <a:endParaRPr lang="en-US"/>
+            <a:endParaRPr lang="en-US" dirty="0"/>
           </a:p>
         </p:txBody>
       </p:sp>
@@ -1835,11 +1865,11 @@
             </a:lvl1pPr>
           </a:lstStyle>
           <a:p>
-            <a:fld id="{241EB5C9-1307-BA42-ABA2-0BC069CD8E7F}" type="datetimeFigureOut">
-              <a:rPr lang="en-US" smtClean="0"/>
-              <a:t>4/7/2020</a:t>
+            <a:fld id="{F13A6F9C-6572-412C-9666-5A79E30DA1A6}" type="datetime1">
+              <a:rPr lang="zh-CN" altLang="en-US" smtClean="0"/>
+              <a:t>2020/4/13</a:t>
             </a:fld>
-            <a:endParaRPr lang="en-US"/>
+            <a:endParaRPr lang="en-US" dirty="0"/>
           </a:p>
         </p:txBody>
       </p:sp>
@@ -1862,7 +1892,11 @@
             </a:lvl1pPr>
           </a:lstStyle>
           <a:p>
-            <a:endParaRPr lang="en-US"/>
+            <a:r>
+              <a:rPr lang="zh-CN" altLang="en-US" smtClean="0"/>
+              <a:t>作者：朱远翔</a:t>
+            </a:r>
+            <a:endParaRPr lang="en-US" altLang="zh-CN" dirty="0" smtClean="0"/>
           </a:p>
         </p:txBody>
       </p:sp>
@@ -1889,7 +1923,7 @@
               <a:rPr lang="en-US" smtClean="0"/>
               <a:t>‹#›</a:t>
             </a:fld>
-            <a:endParaRPr lang="en-US"/>
+            <a:endParaRPr lang="en-US" dirty="0"/>
           </a:p>
         </p:txBody>
       </p:sp>
@@ -1939,13 +1973,17 @@
         <p:spPr/>
         <p:txBody>
           <a:bodyPr/>
-          <a:lstStyle/>
-          <a:p>
-            <a:r>
-              <a:rPr lang="zh-CN" altLang="en-US" smtClean="0"/>
+          <a:lstStyle>
+            <a:lvl1pPr>
+              <a:defRPr sz="3200"/>
+            </a:lvl1pPr>
+          </a:lstStyle>
+          <a:p>
+            <a:r>
+              <a:rPr lang="zh-CN" altLang="en-US" dirty="0" smtClean="0"/>
               <a:t>单击此处编辑母版标题样式</a:t>
             </a:r>
-            <a:endParaRPr lang="zh-CN" altLang="en-US"/>
+            <a:endParaRPr lang="zh-CN" altLang="en-US" dirty="0"/>
           </a:p>
         </p:txBody>
       </p:sp>
@@ -1961,8 +1999,8 @@
         </p:nvSpPr>
         <p:spPr>
           <a:xfrm>
-            <a:off x="838200" y="2362200"/>
-            <a:ext cx="3770313" cy="3724275"/>
+            <a:off x="838201" y="2362200"/>
+            <a:ext cx="2806700" cy="3724275"/>
           </a:xfrm>
         </p:spPr>
         <p:txBody>
@@ -1971,38 +2009,38 @@
           <a:p>
             <a:pPr lvl="0"/>
             <a:r>
-              <a:rPr lang="zh-CN" altLang="en-US" smtClean="0"/>
+              <a:rPr lang="zh-CN" altLang="en-US" dirty="0" smtClean="0"/>
               <a:t>单击此处编辑母版文本样式</a:t>
             </a:r>
           </a:p>
           <a:p>
             <a:pPr lvl="1"/>
             <a:r>
-              <a:rPr lang="zh-CN" altLang="en-US" smtClean="0"/>
+              <a:rPr lang="zh-CN" altLang="en-US" dirty="0" smtClean="0"/>
               <a:t>第二级</a:t>
             </a:r>
           </a:p>
           <a:p>
             <a:pPr lvl="2"/>
             <a:r>
-              <a:rPr lang="zh-CN" altLang="en-US" smtClean="0"/>
+              <a:rPr lang="zh-CN" altLang="en-US" dirty="0" smtClean="0"/>
               <a:t>第三级</a:t>
             </a:r>
           </a:p>
           <a:p>
             <a:pPr lvl="3"/>
             <a:r>
-              <a:rPr lang="zh-CN" altLang="en-US" smtClean="0"/>
+              <a:rPr lang="zh-CN" altLang="en-US" dirty="0" smtClean="0"/>
               <a:t>第四级</a:t>
             </a:r>
           </a:p>
           <a:p>
             <a:pPr lvl="4"/>
             <a:r>
-              <a:rPr lang="zh-CN" altLang="en-US" smtClean="0"/>
+              <a:rPr lang="zh-CN" altLang="en-US" dirty="0" smtClean="0"/>
               <a:t>第五级</a:t>
             </a:r>
-            <a:endParaRPr lang="zh-CN" altLang="en-US"/>
+            <a:endParaRPr lang="zh-CN" altLang="en-US" dirty="0"/>
           </a:p>
         </p:txBody>
       </p:sp>
@@ -2018,8 +2056,8 @@
         </p:nvSpPr>
         <p:spPr>
           <a:xfrm>
-            <a:off x="4760913" y="2362200"/>
-            <a:ext cx="3770312" cy="3724275"/>
+            <a:off x="3644901" y="2362200"/>
+            <a:ext cx="4886324" cy="3724275"/>
           </a:xfrm>
         </p:spPr>
         <p:txBody>
@@ -2028,38 +2066,38 @@
           <a:p>
             <a:pPr lvl="0"/>
             <a:r>
-              <a:rPr lang="zh-CN" altLang="en-US" smtClean="0"/>
+              <a:rPr lang="zh-CN" altLang="en-US" dirty="0" smtClean="0"/>
               <a:t>单击此处编辑母版文本样式</a:t>
             </a:r>
           </a:p>
           <a:p>
             <a:pPr lvl="1"/>
             <a:r>
-              <a:rPr lang="zh-CN" altLang="en-US" smtClean="0"/>
+              <a:rPr lang="zh-CN" altLang="en-US" dirty="0" smtClean="0"/>
               <a:t>第二级</a:t>
             </a:r>
           </a:p>
           <a:p>
             <a:pPr lvl="2"/>
             <a:r>
-              <a:rPr lang="zh-CN" altLang="en-US" smtClean="0"/>
+              <a:rPr lang="zh-CN" altLang="en-US" dirty="0" smtClean="0"/>
               <a:t>第三级</a:t>
             </a:r>
           </a:p>
           <a:p>
             <a:pPr lvl="3"/>
             <a:r>
-              <a:rPr lang="zh-CN" altLang="en-US" smtClean="0"/>
+              <a:rPr lang="zh-CN" altLang="en-US" dirty="0" smtClean="0"/>
               <a:t>第四级</a:t>
             </a:r>
           </a:p>
           <a:p>
             <a:pPr lvl="4"/>
             <a:r>
-              <a:rPr lang="zh-CN" altLang="en-US" smtClean="0"/>
+              <a:rPr lang="zh-CN" altLang="en-US" dirty="0" smtClean="0"/>
               <a:t>第五级</a:t>
             </a:r>
-            <a:endParaRPr lang="zh-CN" altLang="en-US"/>
+            <a:endParaRPr lang="zh-CN" altLang="en-US" dirty="0"/>
           </a:p>
         </p:txBody>
       </p:sp>
@@ -2082,11 +2120,11 @@
             </a:lvl1pPr>
           </a:lstStyle>
           <a:p>
-            <a:fld id="{241EB5C9-1307-BA42-ABA2-0BC069CD8E7F}" type="datetimeFigureOut">
-              <a:rPr lang="en-US" smtClean="0"/>
-              <a:t>4/7/2020</a:t>
+            <a:fld id="{F6336E88-EFD7-4FDB-A01B-3835B9122E09}" type="datetime1">
+              <a:rPr lang="zh-CN" altLang="en-US" smtClean="0"/>
+              <a:t>2020/4/13</a:t>
             </a:fld>
-            <a:endParaRPr lang="en-US"/>
+            <a:endParaRPr lang="en-US" dirty="0"/>
           </a:p>
         </p:txBody>
       </p:sp>
@@ -2109,7 +2147,11 @@
             </a:lvl1pPr>
           </a:lstStyle>
           <a:p>
-            <a:endParaRPr lang="en-US"/>
+            <a:r>
+              <a:rPr lang="zh-CN" altLang="en-US" dirty="0" smtClean="0"/>
+              <a:t>作者：朱远翔</a:t>
+            </a:r>
+            <a:endParaRPr lang="en-US" altLang="zh-CN" dirty="0" smtClean="0"/>
           </a:p>
         </p:txBody>
       </p:sp>
@@ -2191,13 +2233,17 @@
         </p:spPr>
         <p:txBody>
           <a:bodyPr/>
-          <a:lstStyle/>
-          <a:p>
-            <a:r>
-              <a:rPr lang="zh-CN" altLang="en-US" smtClean="0"/>
+          <a:lstStyle>
+            <a:lvl1pPr>
+              <a:defRPr sz="3200"/>
+            </a:lvl1pPr>
+          </a:lstStyle>
+          <a:p>
+            <a:r>
+              <a:rPr lang="zh-CN" altLang="en-US" dirty="0" smtClean="0"/>
               <a:t>单击此处编辑母版标题样式</a:t>
             </a:r>
-            <a:endParaRPr lang="zh-CN" altLang="en-US"/>
+            <a:endParaRPr lang="zh-CN" altLang="en-US" dirty="0"/>
           </a:p>
         </p:txBody>
       </p:sp>
@@ -2288,38 +2334,38 @@
           <a:p>
             <a:pPr lvl="0"/>
             <a:r>
-              <a:rPr lang="zh-CN" altLang="en-US" smtClean="0"/>
+              <a:rPr lang="zh-CN" altLang="en-US" dirty="0" smtClean="0"/>
               <a:t>单击此处编辑母版文本样式</a:t>
             </a:r>
           </a:p>
           <a:p>
             <a:pPr lvl="1"/>
             <a:r>
-              <a:rPr lang="zh-CN" altLang="en-US" smtClean="0"/>
+              <a:rPr lang="zh-CN" altLang="en-US" dirty="0" smtClean="0"/>
               <a:t>第二级</a:t>
             </a:r>
           </a:p>
           <a:p>
             <a:pPr lvl="2"/>
             <a:r>
-              <a:rPr lang="zh-CN" altLang="en-US" smtClean="0"/>
+              <a:rPr lang="zh-CN" altLang="en-US" dirty="0" smtClean="0"/>
               <a:t>第三级</a:t>
             </a:r>
           </a:p>
           <a:p>
             <a:pPr lvl="3"/>
             <a:r>
-              <a:rPr lang="zh-CN" altLang="en-US" smtClean="0"/>
+              <a:rPr lang="zh-CN" altLang="en-US" dirty="0" smtClean="0"/>
               <a:t>第四级</a:t>
             </a:r>
           </a:p>
           <a:p>
             <a:pPr lvl="4"/>
             <a:r>
-              <a:rPr lang="zh-CN" altLang="en-US" smtClean="0"/>
+              <a:rPr lang="zh-CN" altLang="en-US" dirty="0" smtClean="0"/>
               <a:t>第五级</a:t>
             </a:r>
-            <a:endParaRPr lang="zh-CN" altLang="en-US"/>
+            <a:endParaRPr lang="zh-CN" altLang="en-US" dirty="0"/>
           </a:p>
         </p:txBody>
       </p:sp>
@@ -2464,11 +2510,11 @@
             </a:lvl1pPr>
           </a:lstStyle>
           <a:p>
-            <a:fld id="{241EB5C9-1307-BA42-ABA2-0BC069CD8E7F}" type="datetimeFigureOut">
-              <a:rPr lang="en-US" smtClean="0"/>
-              <a:t>4/7/2020</a:t>
+            <a:fld id="{DCA5BF40-7D60-4540-BA78-2D2138EFA38F}" type="datetime1">
+              <a:rPr lang="zh-CN" altLang="en-US" smtClean="0"/>
+              <a:t>2020/4/13</a:t>
             </a:fld>
-            <a:endParaRPr lang="en-US"/>
+            <a:endParaRPr lang="en-US" dirty="0"/>
           </a:p>
         </p:txBody>
       </p:sp>
@@ -2491,7 +2537,11 @@
             </a:lvl1pPr>
           </a:lstStyle>
           <a:p>
-            <a:endParaRPr lang="en-US"/>
+            <a:r>
+              <a:rPr lang="zh-CN" altLang="en-US" dirty="0" smtClean="0"/>
+              <a:t>作者：朱远翔</a:t>
+            </a:r>
+            <a:endParaRPr lang="en-US" altLang="zh-CN" dirty="0" smtClean="0"/>
           </a:p>
         </p:txBody>
       </p:sp>
@@ -2568,13 +2618,17 @@
         <p:spPr/>
         <p:txBody>
           <a:bodyPr/>
-          <a:lstStyle/>
-          <a:p>
-            <a:r>
-              <a:rPr lang="zh-CN" altLang="en-US" smtClean="0"/>
+          <a:lstStyle>
+            <a:lvl1pPr>
+              <a:defRPr sz="3200"/>
+            </a:lvl1pPr>
+          </a:lstStyle>
+          <a:p>
+            <a:r>
+              <a:rPr lang="zh-CN" altLang="en-US" dirty="0" smtClean="0"/>
               <a:t>单击此处编辑母版标题样式</a:t>
             </a:r>
-            <a:endParaRPr lang="zh-CN" altLang="en-US"/>
+            <a:endParaRPr lang="zh-CN" altLang="en-US" dirty="0"/>
           </a:p>
         </p:txBody>
       </p:sp>
@@ -2597,11 +2651,11 @@
             </a:lvl1pPr>
           </a:lstStyle>
           <a:p>
-            <a:fld id="{241EB5C9-1307-BA42-ABA2-0BC069CD8E7F}" type="datetimeFigureOut">
-              <a:rPr lang="en-US" smtClean="0"/>
-              <a:t>4/7/2020</a:t>
+            <a:fld id="{9977D285-32AF-4A7D-A5C5-7604E9481640}" type="datetime1">
+              <a:rPr lang="zh-CN" altLang="en-US" smtClean="0"/>
+              <a:t>2020/4/13</a:t>
             </a:fld>
-            <a:endParaRPr lang="en-US"/>
+            <a:endParaRPr lang="en-US" dirty="0"/>
           </a:p>
         </p:txBody>
       </p:sp>
@@ -2624,7 +2678,11 @@
             </a:lvl1pPr>
           </a:lstStyle>
           <a:p>
-            <a:endParaRPr lang="en-US"/>
+            <a:r>
+              <a:rPr lang="zh-CN" altLang="en-US" dirty="0" smtClean="0"/>
+              <a:t>作者：朱远翔</a:t>
+            </a:r>
+            <a:endParaRPr lang="en-US" altLang="zh-CN" dirty="0" smtClean="0"/>
           </a:p>
         </p:txBody>
       </p:sp>
@@ -2647,11 +2705,12 @@
             </a:lvl1pPr>
           </a:lstStyle>
           <a:p>
-            <a:fld id="{C5EF2332-01BF-834F-8236-50238282D533}" type="slidenum">
+            <a:fld id="{2BB93F7F-B0D1-4772-A567-B3A2CEDA5DA3}" type="slidenum">
               <a:rPr lang="en-US" smtClean="0"/>
+              <a:pPr/>
               <a:t>‹#›</a:t>
             </a:fld>
-            <a:endParaRPr lang="en-US"/>
+            <a:endParaRPr lang="en-US" dirty="0"/>
           </a:p>
         </p:txBody>
       </p:sp>
@@ -2707,11 +2766,11 @@
             </a:lvl1pPr>
           </a:lstStyle>
           <a:p>
-            <a:fld id="{241EB5C9-1307-BA42-ABA2-0BC069CD8E7F}" type="datetimeFigureOut">
-              <a:rPr lang="en-US" smtClean="0"/>
-              <a:t>4/7/2020</a:t>
+            <a:fld id="{33B2F564-F493-4C2D-BDFD-BB827DB60F70}" type="datetime1">
+              <a:rPr lang="zh-CN" altLang="en-US" smtClean="0"/>
+              <a:t>2020/4/13</a:t>
             </a:fld>
-            <a:endParaRPr lang="en-US"/>
+            <a:endParaRPr lang="en-US" dirty="0"/>
           </a:p>
         </p:txBody>
       </p:sp>
@@ -2734,7 +2793,11 @@
             </a:lvl1pPr>
           </a:lstStyle>
           <a:p>
-            <a:endParaRPr lang="en-US"/>
+            <a:r>
+              <a:rPr lang="zh-CN" altLang="en-US" dirty="0" smtClean="0"/>
+              <a:t>作者：朱远翔</a:t>
+            </a:r>
+            <a:endParaRPr lang="en-US" altLang="zh-CN" dirty="0" smtClean="0"/>
           </a:p>
         </p:txBody>
       </p:sp>
@@ -2823,10 +2886,10 @@
           </a:lstStyle>
           <a:p>
             <a:r>
-              <a:rPr lang="zh-CN" altLang="en-US" smtClean="0"/>
+              <a:rPr lang="zh-CN" altLang="en-US" dirty="0" smtClean="0"/>
               <a:t>单击此处编辑母版标题样式</a:t>
             </a:r>
-            <a:endParaRPr lang="zh-CN" altLang="en-US"/>
+            <a:endParaRPr lang="zh-CN" altLang="en-US" dirty="0"/>
           </a:p>
         </p:txBody>
       </p:sp>
@@ -2999,11 +3062,11 @@
             </a:lvl1pPr>
           </a:lstStyle>
           <a:p>
-            <a:fld id="{241EB5C9-1307-BA42-ABA2-0BC069CD8E7F}" type="datetimeFigureOut">
-              <a:rPr lang="en-US" smtClean="0"/>
-              <a:t>4/7/2020</a:t>
+            <a:fld id="{14AAD9C5-74F5-4439-805E-E50A06666004}" type="datetime1">
+              <a:rPr lang="zh-CN" altLang="en-US" smtClean="0"/>
+              <a:t>2020/4/13</a:t>
             </a:fld>
-            <a:endParaRPr lang="en-US"/>
+            <a:endParaRPr lang="en-US" dirty="0"/>
           </a:p>
         </p:txBody>
       </p:sp>
@@ -3026,7 +3089,11 @@
             </a:lvl1pPr>
           </a:lstStyle>
           <a:p>
-            <a:endParaRPr lang="en-US"/>
+            <a:r>
+              <a:rPr lang="zh-CN" altLang="en-US" dirty="0" smtClean="0"/>
+              <a:t>作者：朱远翔</a:t>
+            </a:r>
+            <a:endParaRPr lang="en-US" altLang="zh-CN" dirty="0" smtClean="0"/>
           </a:p>
         </p:txBody>
       </p:sp>
@@ -3115,10 +3182,10 @@
           </a:lstStyle>
           <a:p>
             <a:r>
-              <a:rPr lang="zh-CN" altLang="en-US" smtClean="0"/>
+              <a:rPr lang="zh-CN" altLang="en-US" dirty="0" smtClean="0"/>
               <a:t>单击此处编辑母版标题样式</a:t>
             </a:r>
-            <a:endParaRPr lang="zh-CN" altLang="en-US"/>
+            <a:endParaRPr lang="zh-CN" altLang="en-US" dirty="0"/>
           </a:p>
         </p:txBody>
       </p:sp>
@@ -3180,10 +3247,10 @@
           </a:lstStyle>
           <a:p>
             <a:r>
-              <a:rPr lang="zh-CN" altLang="en-US" smtClean="0"/>
+              <a:rPr lang="zh-CN" altLang="en-US" dirty="0" smtClean="0"/>
               <a:t>单击图标添加图片</a:t>
             </a:r>
-            <a:endParaRPr lang="zh-CN" altLang="en-US"/>
+            <a:endParaRPr lang="zh-CN" altLang="en-US" dirty="0"/>
           </a:p>
         </p:txBody>
       </p:sp>
@@ -3271,11 +3338,11 @@
             </a:lvl1pPr>
           </a:lstStyle>
           <a:p>
-            <a:fld id="{241EB5C9-1307-BA42-ABA2-0BC069CD8E7F}" type="datetimeFigureOut">
-              <a:rPr lang="en-US" smtClean="0"/>
-              <a:t>4/7/2020</a:t>
+            <a:fld id="{AD97B335-0C18-495B-B0B1-00E15A984DED}" type="datetime1">
+              <a:rPr lang="zh-CN" altLang="en-US" smtClean="0"/>
+              <a:t>2020/4/13</a:t>
             </a:fld>
-            <a:endParaRPr lang="en-US"/>
+            <a:endParaRPr lang="en-US" dirty="0"/>
           </a:p>
         </p:txBody>
       </p:sp>
@@ -3298,7 +3365,11 @@
             </a:lvl1pPr>
           </a:lstStyle>
           <a:p>
-            <a:endParaRPr lang="en-US"/>
+            <a:r>
+              <a:rPr lang="zh-CN" altLang="en-US" dirty="0" smtClean="0"/>
+              <a:t>作者：朱远翔</a:t>
+            </a:r>
+            <a:endParaRPr lang="en-US" altLang="zh-CN" dirty="0" smtClean="0"/>
           </a:p>
         </p:txBody>
       </p:sp>
@@ -3821,7 +3892,7 @@
           <a:p>
             <a:pPr lvl="0"/>
             <a:r>
-              <a:rPr lang="zh-CN" altLang="en-US" smtClean="0"/>
+              <a:rPr lang="zh-CN" altLang="en-US" dirty="0" smtClean="0"/>
               <a:t>单击此处编辑母版标题样式</a:t>
             </a:r>
           </a:p>
@@ -3889,35 +3960,35 @@
           <a:p>
             <a:pPr lvl="0"/>
             <a:r>
-              <a:rPr lang="zh-CN" altLang="en-US" smtClean="0"/>
+              <a:rPr lang="zh-CN" altLang="en-US" dirty="0" smtClean="0"/>
               <a:t>单击此处编辑母版文本样式</a:t>
             </a:r>
           </a:p>
           <a:p>
             <a:pPr lvl="1"/>
             <a:r>
-              <a:rPr lang="zh-CN" altLang="en-US" smtClean="0"/>
+              <a:rPr lang="zh-CN" altLang="en-US" dirty="0" smtClean="0"/>
               <a:t>第二级</a:t>
             </a:r>
           </a:p>
           <a:p>
             <a:pPr lvl="2"/>
             <a:r>
-              <a:rPr lang="zh-CN" altLang="en-US" smtClean="0"/>
+              <a:rPr lang="zh-CN" altLang="en-US" dirty="0" smtClean="0"/>
               <a:t>第三级</a:t>
             </a:r>
           </a:p>
           <a:p>
             <a:pPr lvl="3"/>
             <a:r>
-              <a:rPr lang="zh-CN" altLang="en-US" smtClean="0"/>
+              <a:rPr lang="zh-CN" altLang="en-US" dirty="0" smtClean="0"/>
               <a:t>第四级</a:t>
             </a:r>
           </a:p>
           <a:p>
             <a:pPr lvl="4"/>
             <a:r>
-              <a:rPr lang="zh-CN" altLang="en-US" smtClean="0"/>
+              <a:rPr lang="zh-CN" altLang="en-US" dirty="0" smtClean="0"/>
               <a:t>第五级</a:t>
             </a:r>
           </a:p>
@@ -3987,11 +4058,11 @@
             </a:lvl1pPr>
           </a:lstStyle>
           <a:p>
-            <a:fld id="{241EB5C9-1307-BA42-ABA2-0BC069CD8E7F}" type="datetimeFigureOut">
-              <a:rPr lang="en-US" smtClean="0"/>
-              <a:t>4/7/2020</a:t>
+            <a:fld id="{7FF77A9C-FD79-4077-9956-3DF2909942EA}" type="datetime1">
+              <a:rPr lang="zh-CN" altLang="en-US" smtClean="0"/>
+              <a:t>2020/4/13</a:t>
             </a:fld>
-            <a:endParaRPr lang="en-US"/>
+            <a:endParaRPr lang="en-US" dirty="0"/>
           </a:p>
         </p:txBody>
       </p:sp>
@@ -4059,7 +4130,11 @@
             </a:lvl1pPr>
           </a:lstStyle>
           <a:p>
-            <a:endParaRPr lang="en-US"/>
+            <a:r>
+              <a:rPr lang="zh-CN" altLang="en-US" dirty="0" smtClean="0"/>
+              <a:t>作者：朱远翔</a:t>
+            </a:r>
+            <a:endParaRPr lang="en-US" dirty="0"/>
           </a:p>
         </p:txBody>
       </p:sp>
@@ -4131,11 +4206,12 @@
             </a:lvl1pPr>
           </a:lstStyle>
           <a:p>
-            <a:fld id="{C5EF2332-01BF-834F-8236-50238282D533}" type="slidenum">
+            <a:fld id="{6E0FD366-C4DA-49E7-BDF0-9CF4C97E62AD}" type="slidenum">
               <a:rPr lang="en-US" smtClean="0"/>
+              <a:pPr/>
               <a:t>‹#›</a:t>
             </a:fld>
-            <a:endParaRPr lang="en-US"/>
+            <a:endParaRPr lang="en-US" dirty="0"/>
           </a:p>
         </p:txBody>
       </p:sp>
@@ -4170,6 +4246,7 @@
       </p:par>
     </p:tnLst>
   </p:timing>
+  <p:hf hdr="0"/>
   <p:txStyles>
     <p:titleStyle>
       <a:lvl1pPr algn="l" rtl="0" eaLnBrk="1" fontAlgn="base" hangingPunct="1">
@@ -4182,7 +4259,7 @@
         <a:spcAft>
           <a:spcPct val="0"/>
         </a:spcAft>
-        <a:defRPr sz="3600" b="1" kern="1200">
+        <a:defRPr sz="3200" b="1" kern="1200">
           <a:solidFill>
             <a:schemeClr val="tx2"/>
           </a:solidFill>
@@ -4350,12 +4427,12 @@
         <a:buSzPct val="75000"/>
         <a:buFont typeface="Wingdings" panose="05000000000000000000" pitchFamily="2" charset="2"/>
         <a:buChar char="l"/>
-        <a:defRPr sz="2800" kern="1200">
+        <a:defRPr sz="2400" kern="1200">
           <a:solidFill>
             <a:schemeClr val="tx1"/>
           </a:solidFill>
-          <a:latin typeface="+mn-lt"/>
-          <a:ea typeface="+mn-ea"/>
+          <a:latin typeface="YaHei Consolas Hybrid" panose="020B0509020204020204" pitchFamily="49" charset="-122"/>
+          <a:ea typeface="YaHei Consolas Hybrid" panose="020B0509020204020204" pitchFamily="49" charset="-122"/>
           <a:cs typeface="+mn-cs"/>
         </a:defRPr>
       </a:lvl1pPr>
@@ -4371,12 +4448,12 @@
         </a:buClr>
         <a:buSzPct val="75000"/>
         <a:buChar char="–"/>
-        <a:defRPr sz="2400" kern="1200">
+        <a:defRPr sz="2000" kern="1200">
           <a:solidFill>
             <a:schemeClr val="tx1"/>
           </a:solidFill>
-          <a:latin typeface="+mn-lt"/>
-          <a:ea typeface="+mn-ea"/>
+          <a:latin typeface="YaHei Consolas Hybrid" panose="020B0509020204020204" pitchFamily="49" charset="-122"/>
+          <a:ea typeface="YaHei Consolas Hybrid" panose="020B0509020204020204" pitchFamily="49" charset="-122"/>
           <a:cs typeface="+mn-cs"/>
         </a:defRPr>
       </a:lvl2pPr>
@@ -4393,12 +4470,12 @@
         <a:buSzPct val="75000"/>
         <a:buFont typeface="Wingdings" panose="05000000000000000000" pitchFamily="2" charset="2"/>
         <a:buChar char="l"/>
-        <a:defRPr sz="2000" kern="1200">
+        <a:defRPr sz="1800" kern="1200">
           <a:solidFill>
             <a:schemeClr val="tx1"/>
           </a:solidFill>
-          <a:latin typeface="+mn-lt"/>
-          <a:ea typeface="+mn-ea"/>
+          <a:latin typeface="YaHei Consolas Hybrid" panose="020B0509020204020204" pitchFamily="49" charset="-122"/>
+          <a:ea typeface="YaHei Consolas Hybrid" panose="020B0509020204020204" pitchFamily="49" charset="-122"/>
           <a:cs typeface="+mn-cs"/>
         </a:defRPr>
       </a:lvl3pPr>
@@ -4414,12 +4491,12 @@
         </a:buClr>
         <a:buSzPct val="80000"/>
         <a:buChar char="–"/>
-        <a:defRPr kern="1200">
+        <a:defRPr sz="1600" kern="1200">
           <a:solidFill>
             <a:schemeClr val="tx1"/>
           </a:solidFill>
-          <a:latin typeface="+mn-lt"/>
-          <a:ea typeface="+mn-ea"/>
+          <a:latin typeface="YaHei Consolas Hybrid" panose="020B0509020204020204" pitchFamily="49" charset="-122"/>
+          <a:ea typeface="YaHei Consolas Hybrid" panose="020B0509020204020204" pitchFamily="49" charset="-122"/>
           <a:cs typeface="+mn-cs"/>
         </a:defRPr>
       </a:lvl4pPr>
@@ -4436,12 +4513,12 @@
         <a:buSzPct val="65000"/>
         <a:buFont typeface="Wingdings" panose="05000000000000000000" pitchFamily="2" charset="2"/>
         <a:buChar char="l"/>
-        <a:defRPr kern="1200">
+        <a:defRPr sz="1600" kern="1200">
           <a:solidFill>
             <a:schemeClr val="tx1"/>
           </a:solidFill>
-          <a:latin typeface="+mn-lt"/>
-          <a:ea typeface="+mn-ea"/>
+          <a:latin typeface="YaHei Consolas Hybrid" panose="020B0509020204020204" pitchFamily="49" charset="-122"/>
+          <a:ea typeface="YaHei Consolas Hybrid" panose="020B0509020204020204" pitchFamily="49" charset="-122"/>
           <a:cs typeface="+mn-cs"/>
         </a:defRPr>
       </a:lvl5pPr>
@@ -4650,8 +4727,12 @@
           <a:lstStyle/>
           <a:p>
             <a:r>
-              <a:rPr lang="en-US" dirty="0" smtClean="0"/>
-              <a:t>Presentation Subtitle</a:t>
+              <a:rPr lang="zh-CN" altLang="en-US" dirty="0"/>
+              <a:t>演示</a:t>
+            </a:r>
+            <a:r>
+              <a:rPr lang="zh-CN" altLang="en-US" dirty="0" smtClean="0"/>
+              <a:t>子标题</a:t>
             </a:r>
             <a:endParaRPr lang="en-US" dirty="0"/>
           </a:p>
@@ -4673,10 +4754,14 @@
           <a:lstStyle/>
           <a:p>
             <a:r>
-              <a:rPr lang="en-US" dirty="0" smtClean="0"/>
-              <a:t>Presentation Title</a:t>
-            </a:r>
-            <a:endParaRPr lang="en-US" dirty="0"/>
+              <a:rPr lang="zh-CN" altLang="en-US" sz="3600" dirty="0"/>
+              <a:t>演示</a:t>
+            </a:r>
+            <a:r>
+              <a:rPr lang="zh-CN" altLang="en-US" sz="3600" dirty="0" smtClean="0"/>
+              <a:t>主标题</a:t>
+            </a:r>
+            <a:endParaRPr lang="en-US" sz="3600" dirty="0"/>
           </a:p>
         </p:txBody>
       </p:sp>
@@ -4729,8 +4814,8 @@
           <a:lstStyle/>
           <a:p>
             <a:r>
-              <a:rPr lang="en-US" dirty="0" smtClean="0"/>
-              <a:t>Slide Title</a:t>
+              <a:rPr lang="zh-CN" altLang="en-US" dirty="0" smtClean="0"/>
+              <a:t>幻灯标题</a:t>
             </a:r>
             <a:endParaRPr lang="en-US" dirty="0"/>
           </a:p>
@@ -4757,9 +4842,79 @@
               <a:buNone/>
             </a:pPr>
             <a:r>
-              <a:rPr lang="en-US" dirty="0" smtClean="0"/>
-              <a:t>Hello, world.</a:t>
-            </a:r>
+              <a:rPr lang="zh-CN" altLang="en-US" dirty="0" smtClean="0"/>
+              <a:t>你好，世界！</a:t>
+            </a:r>
+            <a:endParaRPr lang="en-US" dirty="0"/>
+          </a:p>
+        </p:txBody>
+      </p:sp>
+      <p:sp>
+        <p:nvSpPr>
+          <p:cNvPr id="4" name="日期占位符 3"/>
+          <p:cNvSpPr>
+            <a:spLocks noGrp="1"/>
+          </p:cNvSpPr>
+          <p:nvPr>
+            <p:ph type="dt" sz="half" idx="10"/>
+          </p:nvPr>
+        </p:nvSpPr>
+        <p:spPr/>
+        <p:txBody>
+          <a:bodyPr/>
+          <a:lstStyle/>
+          <a:p>
+            <a:fld id="{E1E76AF5-5C64-4261-9951-1C63EF8F9628}" type="datetime1">
+              <a:rPr lang="zh-CN" altLang="en-US" smtClean="0"/>
+              <a:t>2020/4/13</a:t>
+            </a:fld>
+            <a:endParaRPr lang="en-US" dirty="0"/>
+          </a:p>
+        </p:txBody>
+      </p:sp>
+      <p:sp>
+        <p:nvSpPr>
+          <p:cNvPr id="5" name="页脚占位符 4"/>
+          <p:cNvSpPr>
+            <a:spLocks noGrp="1"/>
+          </p:cNvSpPr>
+          <p:nvPr>
+            <p:ph type="ftr" sz="quarter" idx="11"/>
+          </p:nvPr>
+        </p:nvSpPr>
+        <p:spPr/>
+        <p:txBody>
+          <a:bodyPr/>
+          <a:lstStyle/>
+          <a:p>
+            <a:r>
+              <a:rPr lang="zh-CN" altLang="en-US" smtClean="0"/>
+              <a:t>作者：朱远翔</a:t>
+            </a:r>
+            <a:endParaRPr lang="en-US" altLang="zh-CN" dirty="0" smtClean="0"/>
+          </a:p>
+        </p:txBody>
+      </p:sp>
+      <p:sp>
+        <p:nvSpPr>
+          <p:cNvPr id="6" name="灯片编号占位符 5"/>
+          <p:cNvSpPr>
+            <a:spLocks noGrp="1"/>
+          </p:cNvSpPr>
+          <p:nvPr>
+            <p:ph type="sldNum" sz="quarter" idx="12"/>
+          </p:nvPr>
+        </p:nvSpPr>
+        <p:spPr/>
+        <p:txBody>
+          <a:bodyPr/>
+          <a:lstStyle/>
+          <a:p>
+            <a:fld id="{9D6ECECF-4B82-4C2B-AE91-83CD4DEE09E6}" type="slidenum">
+              <a:rPr lang="en-US" smtClean="0"/>
+              <a:pPr/>
+              <a:t>2</a:t>
+            </a:fld>
             <a:endParaRPr lang="en-US" dirty="0"/>
           </a:p>
         </p:txBody>
@@ -4813,8 +4968,8 @@
           <a:lstStyle/>
           <a:p>
             <a:r>
-              <a:rPr lang="en-US" dirty="0" smtClean="0"/>
-              <a:t>Section header</a:t>
+              <a:rPr lang="zh-CN" altLang="en-US" dirty="0" smtClean="0"/>
+              <a:t>小节头</a:t>
             </a:r>
             <a:endParaRPr lang="en-US" dirty="0"/>
           </a:p>
@@ -4836,9 +4991,78 @@
           <a:lstStyle/>
           <a:p>
             <a:r>
-              <a:rPr lang="en-US" dirty="0" smtClean="0"/>
-              <a:t>Some explanatory text</a:t>
-            </a:r>
+              <a:rPr lang="zh-CN" altLang="en-US" dirty="0" smtClean="0"/>
+              <a:t>一些解释文本</a:t>
+            </a:r>
+            <a:endParaRPr lang="en-US" dirty="0"/>
+          </a:p>
+        </p:txBody>
+      </p:sp>
+      <p:sp>
+        <p:nvSpPr>
+          <p:cNvPr id="4" name="日期占位符 3"/>
+          <p:cNvSpPr>
+            <a:spLocks noGrp="1"/>
+          </p:cNvSpPr>
+          <p:nvPr>
+            <p:ph type="dt" sz="half" idx="10"/>
+          </p:nvPr>
+        </p:nvSpPr>
+        <p:spPr/>
+        <p:txBody>
+          <a:bodyPr/>
+          <a:lstStyle/>
+          <a:p>
+            <a:fld id="{EC49C877-7FB2-44A5-A888-E5191FC63FBE}" type="datetime1">
+              <a:rPr lang="zh-CN" altLang="en-US" smtClean="0"/>
+              <a:t>2020/4/13</a:t>
+            </a:fld>
+            <a:endParaRPr lang="en-US" dirty="0"/>
+          </a:p>
+        </p:txBody>
+      </p:sp>
+      <p:sp>
+        <p:nvSpPr>
+          <p:cNvPr id="5" name="页脚占位符 4"/>
+          <p:cNvSpPr>
+            <a:spLocks noGrp="1"/>
+          </p:cNvSpPr>
+          <p:nvPr>
+            <p:ph type="ftr" sz="quarter" idx="11"/>
+          </p:nvPr>
+        </p:nvSpPr>
+        <p:spPr/>
+        <p:txBody>
+          <a:bodyPr/>
+          <a:lstStyle/>
+          <a:p>
+            <a:r>
+              <a:rPr lang="zh-CN" altLang="en-US" smtClean="0"/>
+              <a:t>作者：朱远翔</a:t>
+            </a:r>
+            <a:endParaRPr lang="en-US" altLang="zh-CN" dirty="0" smtClean="0"/>
+          </a:p>
+        </p:txBody>
+      </p:sp>
+      <p:sp>
+        <p:nvSpPr>
+          <p:cNvPr id="6" name="灯片编号占位符 5"/>
+          <p:cNvSpPr>
+            <a:spLocks noGrp="1"/>
+          </p:cNvSpPr>
+          <p:nvPr>
+            <p:ph type="sldNum" sz="quarter" idx="12"/>
+          </p:nvPr>
+        </p:nvSpPr>
+        <p:spPr/>
+        <p:txBody>
+          <a:bodyPr/>
+          <a:lstStyle/>
+          <a:p>
+            <a:fld id="{C5EF2332-01BF-834F-8236-50238282D533}" type="slidenum">
+              <a:rPr lang="en-US" smtClean="0"/>
+              <a:t>3</a:t>
+            </a:fld>
             <a:endParaRPr lang="en-US" dirty="0"/>
           </a:p>
         </p:txBody>
@@ -4892,8 +5116,8 @@
           <a:lstStyle/>
           <a:p>
             <a:r>
-              <a:rPr lang="en-US" dirty="0" smtClean="0"/>
-              <a:t>Slide Title for Two-Content</a:t>
+              <a:rPr lang="zh-CN" altLang="en-US" dirty="0" smtClean="0"/>
+              <a:t>两列幻灯标题</a:t>
             </a:r>
             <a:endParaRPr lang="en-US" dirty="0"/>
           </a:p>
@@ -4917,15 +5141,10 @@
           <a:lstStyle/>
           <a:p>
             <a:r>
-              <a:rPr lang="en-US" dirty="0" smtClean="0"/>
-              <a:t>Some content on the left.</a:t>
-            </a:r>
-          </a:p>
-          <a:p>
-            <a:pPr marL="0" indent="0">
-              <a:buNone/>
-            </a:pPr>
-            <a:endParaRPr lang="en-US" dirty="0"/>
+              <a:rPr lang="zh-CN" altLang="en-US" dirty="0" smtClean="0"/>
+              <a:t>左边的内容</a:t>
+            </a:r>
+            <a:endParaRPr lang="en-US" dirty="0" smtClean="0"/>
           </a:p>
         </p:txBody>
       </p:sp>
@@ -4939,7 +5158,12 @@
             <p:ph sz="half" idx="2"/>
           </p:nvPr>
         </p:nvSpPr>
-        <p:spPr/>
+        <p:spPr>
+          <a:xfrm>
+            <a:off x="3598985" y="2362200"/>
+            <a:ext cx="4932240" cy="3724275"/>
+          </a:xfrm>
+        </p:spPr>
         <p:txBody>
           <a:bodyPr>
             <a:normAutofit/>
@@ -4947,10 +5171,83 @@
           <a:lstStyle/>
           <a:p>
             <a:r>
-              <a:rPr lang="en-US" dirty="0" smtClean="0"/>
-              <a:t>Some content on the right.</a:t>
-            </a:r>
+              <a:rPr lang="zh-CN" altLang="en-US" dirty="0" smtClean="0"/>
+              <a:t>右边</a:t>
+            </a:r>
+            <a:r>
+              <a:rPr lang="zh-CN" altLang="en-US" dirty="0"/>
+              <a:t>的内容</a:t>
+            </a:r>
+            <a:endParaRPr lang="en-US" altLang="zh-CN" dirty="0"/>
+          </a:p>
+        </p:txBody>
+      </p:sp>
+      <p:sp>
+        <p:nvSpPr>
+          <p:cNvPr id="2" name="日期占位符 1"/>
+          <p:cNvSpPr>
+            <a:spLocks noGrp="1"/>
+          </p:cNvSpPr>
+          <p:nvPr>
+            <p:ph type="dt" sz="half" idx="10"/>
+          </p:nvPr>
+        </p:nvSpPr>
+        <p:spPr/>
+        <p:txBody>
+          <a:bodyPr/>
+          <a:lstStyle/>
+          <a:p>
+            <a:fld id="{800745D4-2C67-4902-ADAF-5E674A5A26EE}" type="datetime1">
+              <a:rPr lang="zh-CN" altLang="en-US" smtClean="0"/>
+              <a:t>2020/4/13</a:t>
+            </a:fld>
             <a:endParaRPr lang="en-US" dirty="0"/>
+          </a:p>
+        </p:txBody>
+      </p:sp>
+      <p:sp>
+        <p:nvSpPr>
+          <p:cNvPr id="3" name="页脚占位符 2"/>
+          <p:cNvSpPr>
+            <a:spLocks noGrp="1"/>
+          </p:cNvSpPr>
+          <p:nvPr>
+            <p:ph type="ftr" sz="quarter" idx="11"/>
+          </p:nvPr>
+        </p:nvSpPr>
+        <p:spPr/>
+        <p:txBody>
+          <a:bodyPr/>
+          <a:lstStyle/>
+          <a:p>
+            <a:r>
+              <a:rPr lang="zh-CN" altLang="en-US" smtClean="0"/>
+              <a:t>作者：朱远翔</a:t>
+            </a:r>
+            <a:endParaRPr lang="en-US" altLang="zh-CN" dirty="0" smtClean="0"/>
+          </a:p>
+        </p:txBody>
+      </p:sp>
+      <p:sp>
+        <p:nvSpPr>
+          <p:cNvPr id="7" name="灯片编号占位符 6"/>
+          <p:cNvSpPr>
+            <a:spLocks noGrp="1"/>
+          </p:cNvSpPr>
+          <p:nvPr>
+            <p:ph type="sldNum" sz="quarter" idx="12"/>
+          </p:nvPr>
+        </p:nvSpPr>
+        <p:spPr/>
+        <p:txBody>
+          <a:bodyPr/>
+          <a:lstStyle/>
+          <a:p>
+            <a:fld id="{C5EF2332-01BF-834F-8236-50238282D533}" type="slidenum">
+              <a:rPr lang="en-US" smtClean="0"/>
+              <a:t>4</a:t>
+            </a:fld>
+            <a:endParaRPr lang="en-US"/>
           </a:p>
         </p:txBody>
       </p:sp>
